--- a/DOCS/Apresentação jobup.pptx
+++ b/DOCS/Apresentação jobup.pptx
@@ -6531,7 +6531,7 @@
           <a:p>
             <a:fld id="{874C5FCB-E9D8-4306-A26A-5B15FC156FD1}" type="datetimeFigureOut">
               <a:rPr lang="pt-BR" smtClean="0"/>
-              <a:t>18/06/2017</a:t>
+              <a:t>19/06/2017</a:t>
             </a:fld>
             <a:endParaRPr lang="pt-BR"/>
           </a:p>
@@ -6699,7 +6699,7 @@
           <a:p>
             <a:fld id="{874C5FCB-E9D8-4306-A26A-5B15FC156FD1}" type="datetimeFigureOut">
               <a:rPr lang="pt-BR" smtClean="0"/>
-              <a:t>18/06/2017</a:t>
+              <a:t>19/06/2017</a:t>
             </a:fld>
             <a:endParaRPr lang="pt-BR"/>
           </a:p>
@@ -6877,7 +6877,7 @@
           <a:p>
             <a:fld id="{874C5FCB-E9D8-4306-A26A-5B15FC156FD1}" type="datetimeFigureOut">
               <a:rPr lang="pt-BR" smtClean="0"/>
-              <a:t>18/06/2017</a:t>
+              <a:t>19/06/2017</a:t>
             </a:fld>
             <a:endParaRPr lang="pt-BR"/>
           </a:p>
@@ -7045,7 +7045,7 @@
           <a:p>
             <a:fld id="{874C5FCB-E9D8-4306-A26A-5B15FC156FD1}" type="datetimeFigureOut">
               <a:rPr lang="pt-BR" smtClean="0"/>
-              <a:t>18/06/2017</a:t>
+              <a:t>19/06/2017</a:t>
             </a:fld>
             <a:endParaRPr lang="pt-BR"/>
           </a:p>
@@ -7290,7 +7290,7 @@
           <a:p>
             <a:fld id="{874C5FCB-E9D8-4306-A26A-5B15FC156FD1}" type="datetimeFigureOut">
               <a:rPr lang="pt-BR" smtClean="0"/>
-              <a:t>18/06/2017</a:t>
+              <a:t>19/06/2017</a:t>
             </a:fld>
             <a:endParaRPr lang="pt-BR"/>
           </a:p>
@@ -7519,7 +7519,7 @@
           <a:p>
             <a:fld id="{874C5FCB-E9D8-4306-A26A-5B15FC156FD1}" type="datetimeFigureOut">
               <a:rPr lang="pt-BR" smtClean="0"/>
-              <a:t>18/06/2017</a:t>
+              <a:t>19/06/2017</a:t>
             </a:fld>
             <a:endParaRPr lang="pt-BR"/>
           </a:p>
@@ -7883,7 +7883,7 @@
           <a:p>
             <a:fld id="{874C5FCB-E9D8-4306-A26A-5B15FC156FD1}" type="datetimeFigureOut">
               <a:rPr lang="pt-BR" smtClean="0"/>
-              <a:t>18/06/2017</a:t>
+              <a:t>19/06/2017</a:t>
             </a:fld>
             <a:endParaRPr lang="pt-BR"/>
           </a:p>
@@ -8000,7 +8000,7 @@
           <a:p>
             <a:fld id="{874C5FCB-E9D8-4306-A26A-5B15FC156FD1}" type="datetimeFigureOut">
               <a:rPr lang="pt-BR" smtClean="0"/>
-              <a:t>18/06/2017</a:t>
+              <a:t>19/06/2017</a:t>
             </a:fld>
             <a:endParaRPr lang="pt-BR"/>
           </a:p>
@@ -8095,7 +8095,7 @@
           <a:p>
             <a:fld id="{874C5FCB-E9D8-4306-A26A-5B15FC156FD1}" type="datetimeFigureOut">
               <a:rPr lang="pt-BR" smtClean="0"/>
-              <a:t>18/06/2017</a:t>
+              <a:t>19/06/2017</a:t>
             </a:fld>
             <a:endParaRPr lang="pt-BR"/>
           </a:p>
@@ -8370,7 +8370,7 @@
           <a:p>
             <a:fld id="{874C5FCB-E9D8-4306-A26A-5B15FC156FD1}" type="datetimeFigureOut">
               <a:rPr lang="pt-BR" smtClean="0"/>
-              <a:t>18/06/2017</a:t>
+              <a:t>19/06/2017</a:t>
             </a:fld>
             <a:endParaRPr lang="pt-BR"/>
           </a:p>
@@ -8622,7 +8622,7 @@
           <a:p>
             <a:fld id="{874C5FCB-E9D8-4306-A26A-5B15FC156FD1}" type="datetimeFigureOut">
               <a:rPr lang="pt-BR" smtClean="0"/>
-              <a:t>18/06/2017</a:t>
+              <a:t>19/06/2017</a:t>
             </a:fld>
             <a:endParaRPr lang="pt-BR"/>
           </a:p>
@@ -8833,7 +8833,7 @@
           <a:p>
             <a:fld id="{874C5FCB-E9D8-4306-A26A-5B15FC156FD1}" type="datetimeFigureOut">
               <a:rPr lang="pt-BR" smtClean="0"/>
-              <a:t>18/06/2017</a:t>
+              <a:t>19/06/2017</a:t>
             </a:fld>
             <a:endParaRPr lang="pt-BR"/>
           </a:p>
@@ -10458,7 +10458,27 @@
                 <a:latin typeface="Arial" panose="020B0604020202020204" pitchFamily="34" charset="0"/>
                 <a:cs typeface="Arial" panose="020B0604020202020204" pitchFamily="34" charset="0"/>
               </a:rPr>
-              <a:t>O JobUP e a plataforma ideal para unir esses dois mundos. Com soluções que ajudam a encontrar o profissional desejado de maneira confiável, sem recorrer ao circulo de amizades. E ajuda o profissional a encontrar o cliente para o serviço que ele exerce de maneira simples e pratica.</a:t>
+              <a:t>O </a:t>
+            </a:r>
+            <a:r>
+              <a:rPr lang="pt-BR" sz="2400" b="1" dirty="0" err="1">
+                <a:solidFill>
+                  <a:schemeClr val="tx1"/>
+                </a:solidFill>
+                <a:latin typeface="Arial" panose="020B0604020202020204" pitchFamily="34" charset="0"/>
+                <a:cs typeface="Arial" panose="020B0604020202020204" pitchFamily="34" charset="0"/>
+              </a:rPr>
+              <a:t>JobUP</a:t>
+            </a:r>
+            <a:r>
+              <a:rPr lang="pt-BR" sz="2400" b="1" dirty="0">
+                <a:solidFill>
+                  <a:schemeClr val="tx1"/>
+                </a:solidFill>
+                <a:latin typeface="Arial" panose="020B0604020202020204" pitchFamily="34" charset="0"/>
+                <a:cs typeface="Arial" panose="020B0604020202020204" pitchFamily="34" charset="0"/>
+              </a:rPr>
+              <a:t> é a plataforma ideal para unir esses dois mundos. Com soluções que ajudam a encontrar o profissional desejado de maneira confiável, sem recorrer ao circulo de amizades. Ajudando o profissional a encontrar o cliente para o serviço que ele exerce de maneira simples e prática.</a:t>
             </a:r>
             <a:endParaRPr lang="pt-BR" b="1" dirty="0">
               <a:solidFill>
@@ -13345,7 +13365,7 @@
           <p:nvPr>
             <p:extLst>
               <p:ext uri="{D42A27DB-BD31-4B8C-83A1-F6EECF244321}">
-                <p14:modId xmlns:p14="http://schemas.microsoft.com/office/powerpoint/2010/main" val="1534154744"/>
+                <p14:modId xmlns:p14="http://schemas.microsoft.com/office/powerpoint/2010/main" val="4218208358"/>
               </p:ext>
             </p:extLst>
           </p:nvPr>
@@ -13985,7 +14005,7 @@
                           </a:solidFill>
                           <a:effectLst/>
                         </a:rPr>
-                        <a:t>LUCRO LIQUIDO</a:t>
+                        <a:t>LUCRO LÍQUIDO</a:t>
                       </a:r>
                       <a:endParaRPr lang="pt-BR" sz="1400" b="1" i="0" u="none" strike="noStrike" dirty="0">
                         <a:solidFill>
